--- a/poster files/ISMBECCB2023_1226_Fragkouli_poster.pptx
+++ b/poster files/ISMBECCB2023_1226_Fragkouli_poster.pptx
@@ -121,7 +121,7 @@
       </p14:sectionLst>
     </p:ext>
     <p:ext uri="{EFAFB233-063F-42B5-8137-9DF3F51BA10A}">
-      <p15:sldGuideLst xmlns:p15="http://schemas.microsoft.com/office/powerpoint/2012/main">
+      <p15:sldGuideLst xmlns:p15="http://schemas.microsoft.com/office/powerpoint/2012/main" xmlns="">
         <p15:guide id="1" orient="horz" pos="13527" userDrawn="1">
           <p15:clr>
             <a:srgbClr val="A4A3A4"/>
@@ -135,7 +135,7 @@
       </p15:sldGuideLst>
     </p:ext>
     <p:ext uri="{2D200454-40CA-4A62-9FC3-DE9A4176ACB9}">
-      <p15:notesGuideLst xmlns:p15="http://schemas.microsoft.com/office/powerpoint/2012/main"/>
+      <p15:notesGuideLst xmlns:p15="http://schemas.microsoft.com/office/powerpoint/2012/main" xmlns=""/>
     </p:ext>
   </p:extLst>
 </p:presentation>
@@ -146,7 +146,7 @@
   <p:cmAuthor id="1" name="Nikolas Pechlivanis" initials="NP" lastIdx="2" clrIdx="0">
     <p:extLst>
       <p:ext uri="{19B8F6BF-5375-455C-9EA6-DF929625EA0E}">
-        <p15:presenceInfo xmlns:p15="http://schemas.microsoft.com/office/powerpoint/2012/main" userId="6a711ebda6d3dccd" providerId="Windows Live"/>
+        <p15:presenceInfo xmlns:p15="http://schemas.microsoft.com/office/powerpoint/2012/main" xmlns="" userId="6a711ebda6d3dccd" providerId="Windows Live"/>
       </p:ext>
     </p:extLst>
   </p:cmAuthor>
@@ -235,7 +235,7 @@
           <a:p>
             <a:fld id="{A2C17C0E-7EDB-4075-A298-E3ED005F4C7C}" type="datetimeFigureOut">
               <a:rPr lang="el-GR" smtClean="0"/>
-              <a:t>6/7/2023</a:t>
+              <a:t>14/8/2023</a:t>
             </a:fld>
             <a:endParaRPr lang="el-GR"/>
           </a:p>
@@ -400,7 +400,7 @@
           <a:p>
             <a:fld id="{5F4FDF9D-009C-4A66-9571-998C56D03408}" type="datetimeFigureOut">
               <a:rPr lang="en-US" smtClean="0"/>
-              <a:t>7/6/2023</a:t>
+              <a:t>14-Aug-23</a:t>
             </a:fld>
             <a:endParaRPr lang="en-US"/>
           </a:p>
@@ -882,7 +882,7 @@
           <a:p>
             <a:fld id="{7AB69131-528E-47CA-9221-AD941DD4DEED}" type="datetimeFigureOut">
               <a:rPr lang="en-US" smtClean="0"/>
-              <a:t>7/6/2023</a:t>
+              <a:t>14-Aug-23</a:t>
             </a:fld>
             <a:endParaRPr lang="en-US"/>
           </a:p>
@@ -1052,7 +1052,7 @@
           <a:p>
             <a:fld id="{7AB69131-528E-47CA-9221-AD941DD4DEED}" type="datetimeFigureOut">
               <a:rPr lang="en-US" smtClean="0"/>
-              <a:t>7/6/2023</a:t>
+              <a:t>14-Aug-23</a:t>
             </a:fld>
             <a:endParaRPr lang="en-US"/>
           </a:p>
@@ -1232,7 +1232,7 @@
           <a:p>
             <a:fld id="{7AB69131-528E-47CA-9221-AD941DD4DEED}" type="datetimeFigureOut">
               <a:rPr lang="en-US" smtClean="0"/>
-              <a:t>7/6/2023</a:t>
+              <a:t>14-Aug-23</a:t>
             </a:fld>
             <a:endParaRPr lang="en-US"/>
           </a:p>
@@ -1402,7 +1402,7 @@
           <a:p>
             <a:fld id="{7AB69131-528E-47CA-9221-AD941DD4DEED}" type="datetimeFigureOut">
               <a:rPr lang="en-US" smtClean="0"/>
-              <a:t>7/6/2023</a:t>
+              <a:t>14-Aug-23</a:t>
             </a:fld>
             <a:endParaRPr lang="en-US"/>
           </a:p>
@@ -1646,7 +1646,7 @@
           <a:p>
             <a:fld id="{7AB69131-528E-47CA-9221-AD941DD4DEED}" type="datetimeFigureOut">
               <a:rPr lang="en-US" smtClean="0"/>
-              <a:t>7/6/2023</a:t>
+              <a:t>14-Aug-23</a:t>
             </a:fld>
             <a:endParaRPr lang="en-US"/>
           </a:p>
@@ -1878,7 +1878,7 @@
           <a:p>
             <a:fld id="{7AB69131-528E-47CA-9221-AD941DD4DEED}" type="datetimeFigureOut">
               <a:rPr lang="en-US" smtClean="0"/>
-              <a:t>7/6/2023</a:t>
+              <a:t>14-Aug-23</a:t>
             </a:fld>
             <a:endParaRPr lang="en-US"/>
           </a:p>
@@ -2245,7 +2245,7 @@
           <a:p>
             <a:fld id="{7AB69131-528E-47CA-9221-AD941DD4DEED}" type="datetimeFigureOut">
               <a:rPr lang="en-US" smtClean="0"/>
-              <a:t>7/6/2023</a:t>
+              <a:t>14-Aug-23</a:t>
             </a:fld>
             <a:endParaRPr lang="en-US"/>
           </a:p>
@@ -2363,7 +2363,7 @@
           <a:p>
             <a:fld id="{7AB69131-528E-47CA-9221-AD941DD4DEED}" type="datetimeFigureOut">
               <a:rPr lang="en-US" smtClean="0"/>
-              <a:t>7/6/2023</a:t>
+              <a:t>14-Aug-23</a:t>
             </a:fld>
             <a:endParaRPr lang="en-US"/>
           </a:p>
@@ -2458,7 +2458,7 @@
           <a:p>
             <a:fld id="{7AB69131-528E-47CA-9221-AD941DD4DEED}" type="datetimeFigureOut">
               <a:rPr lang="en-US" smtClean="0"/>
-              <a:t>7/6/2023</a:t>
+              <a:t>14-Aug-23</a:t>
             </a:fld>
             <a:endParaRPr lang="en-US"/>
           </a:p>
@@ -2735,7 +2735,7 @@
           <a:p>
             <a:fld id="{7AB69131-528E-47CA-9221-AD941DD4DEED}" type="datetimeFigureOut">
               <a:rPr lang="en-US" smtClean="0"/>
-              <a:t>7/6/2023</a:t>
+              <a:t>14-Aug-23</a:t>
             </a:fld>
             <a:endParaRPr lang="en-US"/>
           </a:p>
@@ -2992,7 +2992,7 @@
           <a:p>
             <a:fld id="{7AB69131-528E-47CA-9221-AD941DD4DEED}" type="datetimeFigureOut">
               <a:rPr lang="en-US" smtClean="0"/>
-              <a:t>7/6/2023</a:t>
+              <a:t>14-Aug-23</a:t>
             </a:fld>
             <a:endParaRPr lang="en-US"/>
           </a:p>
@@ -3205,7 +3205,7 @@
           <a:p>
             <a:fld id="{7AB69131-528E-47CA-9221-AD941DD4DEED}" type="datetimeFigureOut">
               <a:rPr lang="en-US" smtClean="0"/>
-              <a:t>7/6/2023</a:t>
+              <a:t>14-Aug-23</a:t>
             </a:fld>
             <a:endParaRPr lang="en-US"/>
           </a:p>
@@ -3671,7 +3671,7 @@
           <p:cNvPr id="19" name="Group 18">
             <a:extLst>
               <a:ext uri="{FF2B5EF4-FFF2-40B4-BE49-F238E27FC236}">
-                <a16:creationId xmlns:a16="http://schemas.microsoft.com/office/drawing/2014/main" id="{F8C316FC-537E-4D77-AF68-159099DDD169}"/>
+                <a16:creationId xmlns:a16="http://schemas.microsoft.com/office/drawing/2014/main" xmlns="" id="{F8C316FC-537E-4D77-AF68-159099DDD169}"/>
               </a:ext>
             </a:extLst>
           </p:cNvPr>
@@ -3691,7 +3691,7 @@
             <p:cNvPr id="28" name="TextBox 27">
               <a:extLst>
                 <a:ext uri="{FF2B5EF4-FFF2-40B4-BE49-F238E27FC236}">
-                  <a16:creationId xmlns:a16="http://schemas.microsoft.com/office/drawing/2014/main" id="{C27040AE-E103-4BF4-8BEF-45480ADB9322}"/>
+                  <a16:creationId xmlns:a16="http://schemas.microsoft.com/office/drawing/2014/main" xmlns="" id="{C27040AE-E103-4BF4-8BEF-45480ADB9322}"/>
                 </a:ext>
               </a:extLst>
             </p:cNvPr>
@@ -3734,7 +3734,7 @@
             <p:cNvPr id="25" name="TextBox 24">
               <a:extLst>
                 <a:ext uri="{FF2B5EF4-FFF2-40B4-BE49-F238E27FC236}">
-                  <a16:creationId xmlns:a16="http://schemas.microsoft.com/office/drawing/2014/main" id="{E5A69EE5-15A0-2A11-E4AE-D7C1E4D11FFB}"/>
+                  <a16:creationId xmlns:a16="http://schemas.microsoft.com/office/drawing/2014/main" xmlns="" id="{E5A69EE5-15A0-2A11-E4AE-D7C1E4D11FFB}"/>
                 </a:ext>
               </a:extLst>
             </p:cNvPr>
@@ -3770,7 +3770,7 @@
             <p:cNvPr id="26" name="TextBox 25">
               <a:extLst>
                 <a:ext uri="{FF2B5EF4-FFF2-40B4-BE49-F238E27FC236}">
-                  <a16:creationId xmlns:a16="http://schemas.microsoft.com/office/drawing/2014/main" id="{4848FB5C-3E3F-503C-5232-E2FD5494C54A}"/>
+                  <a16:creationId xmlns:a16="http://schemas.microsoft.com/office/drawing/2014/main" xmlns="" id="{4848FB5C-3E3F-503C-5232-E2FD5494C54A}"/>
                 </a:ext>
               </a:extLst>
             </p:cNvPr>
@@ -3809,7 +3809,7 @@
           <p:cNvPr id="33" name="Rectangle 32">
             <a:extLst>
               <a:ext uri="{FF2B5EF4-FFF2-40B4-BE49-F238E27FC236}">
-                <a16:creationId xmlns:a16="http://schemas.microsoft.com/office/drawing/2014/main" id="{C246D524-104D-48D9-83A2-433E67F0CA6B}"/>
+                <a16:creationId xmlns:a16="http://schemas.microsoft.com/office/drawing/2014/main" xmlns="" id="{C246D524-104D-48D9-83A2-433E67F0CA6B}"/>
               </a:ext>
             </a:extLst>
           </p:cNvPr>
@@ -3866,7 +3866,7 @@
           <p:cNvPr id="43" name="Rectangle 42">
             <a:extLst>
               <a:ext uri="{FF2B5EF4-FFF2-40B4-BE49-F238E27FC236}">
-                <a16:creationId xmlns:a16="http://schemas.microsoft.com/office/drawing/2014/main" id="{18C20CFF-4BD1-40F4-BFBD-6135A421D18B}"/>
+                <a16:creationId xmlns:a16="http://schemas.microsoft.com/office/drawing/2014/main" xmlns="" id="{18C20CFF-4BD1-40F4-BFBD-6135A421D18B}"/>
               </a:ext>
             </a:extLst>
           </p:cNvPr>
@@ -3907,7 +3907,7 @@
           <p:cNvPr id="40" name="Rectangle 39">
             <a:extLst>
               <a:ext uri="{FF2B5EF4-FFF2-40B4-BE49-F238E27FC236}">
-                <a16:creationId xmlns:a16="http://schemas.microsoft.com/office/drawing/2014/main" id="{18C20CFF-4BD1-40F4-BFBD-6135A421D18B}"/>
+                <a16:creationId xmlns:a16="http://schemas.microsoft.com/office/drawing/2014/main" xmlns="" id="{18C20CFF-4BD1-40F4-BFBD-6135A421D18B}"/>
               </a:ext>
             </a:extLst>
           </p:cNvPr>
@@ -4008,17 +4008,7 @@
                 <a:latin typeface="Arial" panose="020B0604020202020204" pitchFamily="34" charset="0"/>
                 <a:cs typeface="Arial" panose="020B0604020202020204" pitchFamily="34" charset="0"/>
               </a:rPr>
-              <a:t>, </a:t>
-            </a:r>
-            <a:r>
-              <a:rPr lang="en-US" sz="4001" dirty="0">
-                <a:solidFill>
-                  <a:schemeClr val="bg1"/>
-                </a:solidFill>
-                <a:latin typeface="Arial" panose="020B0604020202020204" pitchFamily="34" charset="0"/>
-                <a:cs typeface="Arial" panose="020B0604020202020204" pitchFamily="34" charset="0"/>
-              </a:rPr>
-              <a:t>Nikos </a:t>
+              <a:t>, Nikos </a:t>
             </a:r>
             <a:r>
               <a:rPr lang="en-US" sz="4001" dirty="0" smtClean="0">
@@ -4311,7 +4301,7 @@
             <p:cNvPr id="50" name="Rectangle 49">
               <a:extLst>
                 <a:ext uri="{FF2B5EF4-FFF2-40B4-BE49-F238E27FC236}">
-                  <a16:creationId xmlns:a16="http://schemas.microsoft.com/office/drawing/2014/main" id="{18C20CFF-4BD1-40F4-BFBD-6135A421D18B}"/>
+                  <a16:creationId xmlns:a16="http://schemas.microsoft.com/office/drawing/2014/main" xmlns="" id="{18C20CFF-4BD1-40F4-BFBD-6135A421D18B}"/>
                 </a:ext>
               </a:extLst>
             </p:cNvPr>
@@ -4417,7 +4407,7 @@
             <p:cNvPr id="84" name="Rectangle 83">
               <a:extLst>
                 <a:ext uri="{FF2B5EF4-FFF2-40B4-BE49-F238E27FC236}">
-                  <a16:creationId xmlns:a16="http://schemas.microsoft.com/office/drawing/2014/main" id="{18C20CFF-4BD1-40F4-BFBD-6135A421D18B}"/>
+                  <a16:creationId xmlns:a16="http://schemas.microsoft.com/office/drawing/2014/main" xmlns="" id="{18C20CFF-4BD1-40F4-BFBD-6135A421D18B}"/>
                 </a:ext>
               </a:extLst>
             </p:cNvPr>
@@ -4562,7 +4552,7 @@
             <p:cNvPr id="96" name="Rectangle 95">
               <a:extLst>
                 <a:ext uri="{FF2B5EF4-FFF2-40B4-BE49-F238E27FC236}">
-                  <a16:creationId xmlns:a16="http://schemas.microsoft.com/office/drawing/2014/main" id="{18C20CFF-4BD1-40F4-BFBD-6135A421D18B}"/>
+                  <a16:creationId xmlns:a16="http://schemas.microsoft.com/office/drawing/2014/main" xmlns="" id="{18C20CFF-4BD1-40F4-BFBD-6135A421D18B}"/>
                 </a:ext>
               </a:extLst>
             </p:cNvPr>
@@ -4863,7 +4853,7 @@
               <p:cNvPr id="92" name="Rectangle 91">
                 <a:extLst>
                   <a:ext uri="{FF2B5EF4-FFF2-40B4-BE49-F238E27FC236}">
-                    <a16:creationId xmlns:a16="http://schemas.microsoft.com/office/drawing/2014/main" id="{18C20CFF-4BD1-40F4-BFBD-6135A421D18B}"/>
+                    <a16:creationId xmlns:a16="http://schemas.microsoft.com/office/drawing/2014/main" xmlns="" id="{18C20CFF-4BD1-40F4-BFBD-6135A421D18B}"/>
                   </a:ext>
                 </a:extLst>
               </p:cNvPr>
@@ -4996,7 +4986,7 @@
           <p:cNvPr id="4" name="Rectangle 3">
             <a:extLst>
               <a:ext uri="{FF2B5EF4-FFF2-40B4-BE49-F238E27FC236}">
-                <a16:creationId xmlns:a16="http://schemas.microsoft.com/office/drawing/2014/main" id="{C246D524-104D-48D9-83A2-433E67F0CA6B}"/>
+                <a16:creationId xmlns:a16="http://schemas.microsoft.com/office/drawing/2014/main" xmlns="" id="{C246D524-104D-48D9-83A2-433E67F0CA6B}"/>
               </a:ext>
             </a:extLst>
           </p:cNvPr>
@@ -5053,7 +5043,7 @@
           <p:cNvPr id="37" name="Picture 36">
             <a:extLst>
               <a:ext uri="{FF2B5EF4-FFF2-40B4-BE49-F238E27FC236}">
-                <a16:creationId xmlns:a16="http://schemas.microsoft.com/office/drawing/2014/main" id="{82C164FB-8E53-48DB-B177-69EC6445529D}"/>
+                <a16:creationId xmlns:a16="http://schemas.microsoft.com/office/drawing/2014/main" xmlns="" id="{82C164FB-8E53-48DB-B177-69EC6445529D}"/>
               </a:ext>
             </a:extLst>
           </p:cNvPr>
@@ -5069,7 +5059,7 @@
                 <a14:useLocalDpi xmlns:a14="http://schemas.microsoft.com/office/drawing/2010/main" val="0"/>
               </a:ext>
               <a:ext uri="{96DAC541-7B7A-43D3-8B79-37D633B846F1}">
-                <asvg:svgBlip xmlns="" xmlns:asvg="http://schemas.microsoft.com/office/drawing/2016/SVG/main" r:embed="rId12"/>
+                <asvg:svgBlip xmlns:asvg="http://schemas.microsoft.com/office/drawing/2016/SVG/main" xmlns="" r:embed="rId12"/>
               </a:ext>
             </a:extLst>
           </a:blip>
@@ -5091,7 +5081,7 @@
           <p:cNvPr id="22" name="Picture 21">
             <a:extLst>
               <a:ext uri="{FF2B5EF4-FFF2-40B4-BE49-F238E27FC236}">
-                <a16:creationId xmlns:a16="http://schemas.microsoft.com/office/drawing/2014/main" id="{543CBAB0-8072-4F48-A10B-8E146AEADDBA}"/>
+                <a16:creationId xmlns:a16="http://schemas.microsoft.com/office/drawing/2014/main" xmlns="" id="{543CBAB0-8072-4F48-A10B-8E146AEADDBA}"/>
               </a:ext>
             </a:extLst>
           </p:cNvPr>
@@ -5139,7 +5129,7 @@
           <p:cNvPr id="51" name="Group 50">
             <a:extLst>
               <a:ext uri="{FF2B5EF4-FFF2-40B4-BE49-F238E27FC236}">
-                <a16:creationId xmlns:a16="http://schemas.microsoft.com/office/drawing/2014/main" id="{94FAB7F6-8991-4C01-9DDD-D61865D7B322}"/>
+                <a16:creationId xmlns:a16="http://schemas.microsoft.com/office/drawing/2014/main" xmlns="" id="{94FAB7F6-8991-4C01-9DDD-D61865D7B322}"/>
               </a:ext>
             </a:extLst>
           </p:cNvPr>
@@ -5159,7 +5149,7 @@
             <p:cNvPr id="9" name="Picture 8">
               <a:extLst>
                 <a:ext uri="{FF2B5EF4-FFF2-40B4-BE49-F238E27FC236}">
-                  <a16:creationId xmlns:a16="http://schemas.microsoft.com/office/drawing/2014/main" id="{545708B5-797C-40B0-A5DC-0B14FF3C9D6A}"/>
+                  <a16:creationId xmlns:a16="http://schemas.microsoft.com/office/drawing/2014/main" xmlns="" id="{545708B5-797C-40B0-A5DC-0B14FF3C9D6A}"/>
                 </a:ext>
               </a:extLst>
             </p:cNvPr>
@@ -5195,7 +5185,7 @@
             <p:cNvPr id="30" name="TextBox 29">
               <a:extLst>
                 <a:ext uri="{FF2B5EF4-FFF2-40B4-BE49-F238E27FC236}">
-                  <a16:creationId xmlns:a16="http://schemas.microsoft.com/office/drawing/2014/main" id="{948F2B25-9BD0-4B73-B1CA-FD4A76765CC5}"/>
+                  <a16:creationId xmlns:a16="http://schemas.microsoft.com/office/drawing/2014/main" xmlns="" id="{948F2B25-9BD0-4B73-B1CA-FD4A76765CC5}"/>
                 </a:ext>
               </a:extLst>
             </p:cNvPr>
@@ -5248,7 +5238,7 @@
             <p:cNvPr id="20" name="Picture 19">
               <a:extLst>
                 <a:ext uri="{FF2B5EF4-FFF2-40B4-BE49-F238E27FC236}">
-                  <a16:creationId xmlns:a16="http://schemas.microsoft.com/office/drawing/2014/main" id="{93EE9055-4671-4867-8674-B83BF3EE0BF8}"/>
+                  <a16:creationId xmlns:a16="http://schemas.microsoft.com/office/drawing/2014/main" xmlns="" id="{93EE9055-4671-4867-8674-B83BF3EE0BF8}"/>
                 </a:ext>
               </a:extLst>
             </p:cNvPr>
@@ -5284,7 +5274,7 @@
             <p:cNvPr id="47" name="TextBox 46">
               <a:extLst>
                 <a:ext uri="{FF2B5EF4-FFF2-40B4-BE49-F238E27FC236}">
-                  <a16:creationId xmlns:a16="http://schemas.microsoft.com/office/drawing/2014/main" id="{AF669C03-398B-42AF-9E8E-6E06C18D8F34}"/>
+                  <a16:creationId xmlns:a16="http://schemas.microsoft.com/office/drawing/2014/main" xmlns="" id="{AF669C03-398B-42AF-9E8E-6E06C18D8F34}"/>
                 </a:ext>
               </a:extLst>
             </p:cNvPr>
@@ -5330,7 +5320,7 @@
             <p:cNvPr id="24" name="Picture 23">
               <a:extLst>
                 <a:ext uri="{FF2B5EF4-FFF2-40B4-BE49-F238E27FC236}">
-                  <a16:creationId xmlns:a16="http://schemas.microsoft.com/office/drawing/2014/main" id="{D06022DB-DDA2-4B7E-889D-7C51FBC7727E}"/>
+                  <a16:creationId xmlns:a16="http://schemas.microsoft.com/office/drawing/2014/main" xmlns="" id="{D06022DB-DDA2-4B7E-889D-7C51FBC7727E}"/>
                 </a:ext>
               </a:extLst>
             </p:cNvPr>
@@ -5366,7 +5356,7 @@
             <p:cNvPr id="49" name="TextBox 48">
               <a:extLst>
                 <a:ext uri="{FF2B5EF4-FFF2-40B4-BE49-F238E27FC236}">
-                  <a16:creationId xmlns:a16="http://schemas.microsoft.com/office/drawing/2014/main" id="{7ECA3008-2E8F-4CBB-A810-4363879B4929}"/>
+                  <a16:creationId xmlns:a16="http://schemas.microsoft.com/office/drawing/2014/main" xmlns="" id="{7ECA3008-2E8F-4CBB-A810-4363879B4929}"/>
                 </a:ext>
               </a:extLst>
             </p:cNvPr>
@@ -5434,7 +5424,7 @@
           <p:nvPr/>
         </p:nvPicPr>
         <p:blipFill>
-          <a:blip r:embed="rId18" cstate="hqprint">
+          <a:blip r:embed="rId18" cstate="print">
             <a:biLevel thresh="25000"/>
             <a:extLst>
               <a:ext uri="{28A0092B-C50C-407E-A947-70E740481C1C}">
@@ -5491,7 +5481,7 @@
           <p:cNvPr id="62" name="Rectangle 61">
             <a:extLst>
               <a:ext uri="{FF2B5EF4-FFF2-40B4-BE49-F238E27FC236}">
-                <a16:creationId xmlns:a16="http://schemas.microsoft.com/office/drawing/2014/main" id="{18C20CFF-4BD1-40F4-BFBD-6135A421D18B}"/>
+                <a16:creationId xmlns:a16="http://schemas.microsoft.com/office/drawing/2014/main" xmlns="" id="{18C20CFF-4BD1-40F4-BFBD-6135A421D18B}"/>
               </a:ext>
             </a:extLst>
           </p:cNvPr>
@@ -5558,14 +5548,14 @@
               <a:t>«</a:t>
             </a:r>
             <a:r>
-              <a:rPr lang="en-US" sz="6001" b="1" dirty="0">
+              <a:rPr lang="en-US" sz="6001" b="1" dirty="0" smtClean="0">
                 <a:solidFill>
                   <a:schemeClr val="bg1"/>
                 </a:solidFill>
                 <a:latin typeface="Arial" panose="020B0604020202020204" pitchFamily="34" charset="0"/>
                 <a:cs typeface="Arial" panose="020B0604020202020204" pitchFamily="34" charset="0"/>
               </a:rPr>
-              <a:t>Gold Standard</a:t>
+              <a:t>Ground Truth</a:t>
             </a:r>
             <a:r>
               <a:rPr lang="el-GR" sz="6001" b="1" dirty="0" smtClean="0">
@@ -5608,7 +5598,7 @@
         </p:nvSpPr>
         <p:spPr>
           <a:xfrm>
-            <a:off x="5916364" y="5015729"/>
+            <a:off x="6164014" y="5015729"/>
             <a:ext cx="1009651" cy="1025094"/>
           </a:xfrm>
           <a:prstGeom prst="ellipse">
@@ -5664,7 +5654,7 @@
           <p:cNvPr id="66" name="Rectangle 65">
             <a:extLst>
               <a:ext uri="{FF2B5EF4-FFF2-40B4-BE49-F238E27FC236}">
-                <a16:creationId xmlns:a16="http://schemas.microsoft.com/office/drawing/2014/main" id="{18C20CFF-4BD1-40F4-BFBD-6135A421D18B}"/>
+                <a16:creationId xmlns:a16="http://schemas.microsoft.com/office/drawing/2014/main" xmlns="" id="{18C20CFF-4BD1-40F4-BFBD-6135A421D18B}"/>
               </a:ext>
             </a:extLst>
           </p:cNvPr>
@@ -5673,7 +5663,7 @@
         </p:nvSpPr>
         <p:spPr>
           <a:xfrm flipH="1">
-            <a:off x="6255560" y="5105672"/>
+            <a:off x="6503210" y="5105672"/>
             <a:ext cx="369357" cy="830997"/>
           </a:xfrm>
           <a:prstGeom prst="rect">
@@ -5777,7 +5767,7 @@
           <p:cNvPr id="102" name="Rectangle 101">
             <a:extLst>
               <a:ext uri="{FF2B5EF4-FFF2-40B4-BE49-F238E27FC236}">
-                <a16:creationId xmlns:a16="http://schemas.microsoft.com/office/drawing/2014/main" id="{18C20CFF-4BD1-40F4-BFBD-6135A421D18B}"/>
+                <a16:creationId xmlns:a16="http://schemas.microsoft.com/office/drawing/2014/main" xmlns="" id="{18C20CFF-4BD1-40F4-BFBD-6135A421D18B}"/>
               </a:ext>
             </a:extLst>
           </p:cNvPr>
@@ -6332,7 +6322,7 @@
           <p:cNvPr id="60" name="Rectangle 59">
             <a:extLst>
               <a:ext uri="{FF2B5EF4-FFF2-40B4-BE49-F238E27FC236}">
-                <a16:creationId xmlns:a16="http://schemas.microsoft.com/office/drawing/2014/main" id="{18C20CFF-4BD1-40F4-BFBD-6135A421D18B}"/>
+                <a16:creationId xmlns:a16="http://schemas.microsoft.com/office/drawing/2014/main" xmlns="" id="{18C20CFF-4BD1-40F4-BFBD-6135A421D18B}"/>
               </a:ext>
             </a:extLst>
           </p:cNvPr>
@@ -6446,7 +6436,7 @@
           <p:cNvPr id="61" name="Rectangle 60">
             <a:extLst>
               <a:ext uri="{FF2B5EF4-FFF2-40B4-BE49-F238E27FC236}">
-                <a16:creationId xmlns:a16="http://schemas.microsoft.com/office/drawing/2014/main" id="{18C20CFF-4BD1-40F4-BFBD-6135A421D18B}"/>
+                <a16:creationId xmlns:a16="http://schemas.microsoft.com/office/drawing/2014/main" xmlns="" id="{18C20CFF-4BD1-40F4-BFBD-6135A421D18B}"/>
               </a:ext>
             </a:extLst>
           </p:cNvPr>
@@ -6547,7 +6537,7 @@
           <p:cNvPr id="65" name="Rectangle 64">
             <a:extLst>
               <a:ext uri="{FF2B5EF4-FFF2-40B4-BE49-F238E27FC236}">
-                <a16:creationId xmlns:a16="http://schemas.microsoft.com/office/drawing/2014/main" id="{18C20CFF-4BD1-40F4-BFBD-6135A421D18B}"/>
+                <a16:creationId xmlns:a16="http://schemas.microsoft.com/office/drawing/2014/main" xmlns="" id="{18C20CFF-4BD1-40F4-BFBD-6135A421D18B}"/>
               </a:ext>
             </a:extLst>
           </p:cNvPr>
@@ -6920,7 +6910,7 @@
           <p:cNvPr id="67" name="Rectangle 66">
             <a:extLst>
               <a:ext uri="{FF2B5EF4-FFF2-40B4-BE49-F238E27FC236}">
-                <a16:creationId xmlns:a16="http://schemas.microsoft.com/office/drawing/2014/main" id="{18C20CFF-4BD1-40F4-BFBD-6135A421D18B}"/>
+                <a16:creationId xmlns:a16="http://schemas.microsoft.com/office/drawing/2014/main" xmlns="" id="{18C20CFF-4BD1-40F4-BFBD-6135A421D18B}"/>
               </a:ext>
             </a:extLst>
           </p:cNvPr>
@@ -7166,7 +7156,7 @@
           <p:cNvPr id="68" name="Rectangle 67">
             <a:extLst>
               <a:ext uri="{FF2B5EF4-FFF2-40B4-BE49-F238E27FC236}">
-                <a16:creationId xmlns:a16="http://schemas.microsoft.com/office/drawing/2014/main" id="{18C20CFF-4BD1-40F4-BFBD-6135A421D18B}"/>
+                <a16:creationId xmlns:a16="http://schemas.microsoft.com/office/drawing/2014/main" xmlns="" id="{18C20CFF-4BD1-40F4-BFBD-6135A421D18B}"/>
               </a:ext>
             </a:extLst>
           </p:cNvPr>
@@ -7689,7 +7679,7 @@
   <a:extraClrSchemeLst/>
   <a:extLst>
     <a:ext uri="{05A4C25C-085E-4340-85A3-A5531E510DB2}">
-      <thm15:themeFamily xmlns:thm15="http://schemas.microsoft.com/office/thememl/2012/main" name="Office Theme" id="{62F939B6-93AF-4DB8-9C6B-D6C7DFDC589F}" vid="{4A3C46E8-61CC-4603-A589-7422A47A8E4A}"/>
+      <thm15:themeFamily xmlns:thm15="http://schemas.microsoft.com/office/thememl/2012/main" xmlns="" name="Office Theme" id="{62F939B6-93AF-4DB8-9C6B-D6C7DFDC589F}" vid="{4A3C46E8-61CC-4603-A589-7422A47A8E4A}"/>
     </a:ext>
   </a:extLst>
 </a:theme>
@@ -7984,7 +7974,7 @@
   <a:extraClrSchemeLst/>
   <a:extLst>
     <a:ext uri="{05A4C25C-085E-4340-85A3-A5531E510DB2}">
-      <thm15:themeFamily xmlns:thm15="http://schemas.microsoft.com/office/thememl/2012/main" name="Office Theme" id="{62F939B6-93AF-4DB8-9C6B-D6C7DFDC589F}" vid="{4A3C46E8-61CC-4603-A589-7422A47A8E4A}"/>
+      <thm15:themeFamily xmlns:thm15="http://schemas.microsoft.com/office/thememl/2012/main" xmlns="" name="Office Theme" id="{62F939B6-93AF-4DB8-9C6B-D6C7DFDC589F}" vid="{4A3C46E8-61CC-4603-A589-7422A47A8E4A}"/>
     </a:ext>
   </a:extLst>
 </a:theme>
@@ -8245,7 +8235,7 @@
   <a:extraClrSchemeLst/>
   <a:extLst>
     <a:ext uri="{05A4C25C-085E-4340-85A3-A5531E510DB2}">
-      <thm15:themeFamily xmlns:thm15="http://schemas.microsoft.com/office/thememl/2012/main" name="Office Theme" id="{62F939B6-93AF-4DB8-9C6B-D6C7DFDC589F}" vid="{4A3C46E8-61CC-4603-A589-7422A47A8E4A}"/>
+      <thm15:themeFamily xmlns:thm15="http://schemas.microsoft.com/office/thememl/2012/main" xmlns="" name="Office Theme" id="{62F939B6-93AF-4DB8-9C6B-D6C7DFDC589F}" vid="{4A3C46E8-61CC-4603-A589-7422A47A8E4A}"/>
     </a:ext>
   </a:extLst>
 </a:theme>

--- a/poster files/ISMBECCB2023_1226_Fragkouli_poster.pptx
+++ b/poster files/ISMBECCB2023_1226_Fragkouli_poster.pptx
@@ -121,7 +121,7 @@
       </p14:sectionLst>
     </p:ext>
     <p:ext uri="{EFAFB233-063F-42B5-8137-9DF3F51BA10A}">
-      <p15:sldGuideLst xmlns:p15="http://schemas.microsoft.com/office/powerpoint/2012/main" xmlns="">
+      <p15:sldGuideLst xmlns:p15="http://schemas.microsoft.com/office/powerpoint/2012/main">
         <p15:guide id="1" orient="horz" pos="13527" userDrawn="1">
           <p15:clr>
             <a:srgbClr val="A4A3A4"/>
@@ -135,7 +135,7 @@
       </p15:sldGuideLst>
     </p:ext>
     <p:ext uri="{2D200454-40CA-4A62-9FC3-DE9A4176ACB9}">
-      <p15:notesGuideLst xmlns:p15="http://schemas.microsoft.com/office/powerpoint/2012/main" xmlns=""/>
+      <p15:notesGuideLst xmlns:p15="http://schemas.microsoft.com/office/powerpoint/2012/main"/>
     </p:ext>
   </p:extLst>
 </p:presentation>
@@ -146,7 +146,7 @@
   <p:cmAuthor id="1" name="Nikolas Pechlivanis" initials="NP" lastIdx="2" clrIdx="0">
     <p:extLst>
       <p:ext uri="{19B8F6BF-5375-455C-9EA6-DF929625EA0E}">
-        <p15:presenceInfo xmlns:p15="http://schemas.microsoft.com/office/powerpoint/2012/main" xmlns="" userId="6a711ebda6d3dccd" providerId="Windows Live"/>
+        <p15:presenceInfo xmlns:p15="http://schemas.microsoft.com/office/powerpoint/2012/main" userId="6a711ebda6d3dccd" providerId="Windows Live"/>
       </p:ext>
     </p:extLst>
   </p:cmAuthor>
@@ -235,7 +235,7 @@
           <a:p>
             <a:fld id="{A2C17C0E-7EDB-4075-A298-E3ED005F4C7C}" type="datetimeFigureOut">
               <a:rPr lang="el-GR" smtClean="0"/>
-              <a:t>14/8/2023</a:t>
+              <a:t>6/9/2023</a:t>
             </a:fld>
             <a:endParaRPr lang="el-GR"/>
           </a:p>
@@ -400,7 +400,7 @@
           <a:p>
             <a:fld id="{5F4FDF9D-009C-4A66-9571-998C56D03408}" type="datetimeFigureOut">
               <a:rPr lang="en-US" smtClean="0"/>
-              <a:t>14-Aug-23</a:t>
+              <a:t>9/6/2023</a:t>
             </a:fld>
             <a:endParaRPr lang="en-US"/>
           </a:p>
@@ -882,7 +882,7 @@
           <a:p>
             <a:fld id="{7AB69131-528E-47CA-9221-AD941DD4DEED}" type="datetimeFigureOut">
               <a:rPr lang="en-US" smtClean="0"/>
-              <a:t>14-Aug-23</a:t>
+              <a:t>9/6/2023</a:t>
             </a:fld>
             <a:endParaRPr lang="en-US"/>
           </a:p>
@@ -1052,7 +1052,7 @@
           <a:p>
             <a:fld id="{7AB69131-528E-47CA-9221-AD941DD4DEED}" type="datetimeFigureOut">
               <a:rPr lang="en-US" smtClean="0"/>
-              <a:t>14-Aug-23</a:t>
+              <a:t>9/6/2023</a:t>
             </a:fld>
             <a:endParaRPr lang="en-US"/>
           </a:p>
@@ -1232,7 +1232,7 @@
           <a:p>
             <a:fld id="{7AB69131-528E-47CA-9221-AD941DD4DEED}" type="datetimeFigureOut">
               <a:rPr lang="en-US" smtClean="0"/>
-              <a:t>14-Aug-23</a:t>
+              <a:t>9/6/2023</a:t>
             </a:fld>
             <a:endParaRPr lang="en-US"/>
           </a:p>
@@ -1402,7 +1402,7 @@
           <a:p>
             <a:fld id="{7AB69131-528E-47CA-9221-AD941DD4DEED}" type="datetimeFigureOut">
               <a:rPr lang="en-US" smtClean="0"/>
-              <a:t>14-Aug-23</a:t>
+              <a:t>9/6/2023</a:t>
             </a:fld>
             <a:endParaRPr lang="en-US"/>
           </a:p>
@@ -1646,7 +1646,7 @@
           <a:p>
             <a:fld id="{7AB69131-528E-47CA-9221-AD941DD4DEED}" type="datetimeFigureOut">
               <a:rPr lang="en-US" smtClean="0"/>
-              <a:t>14-Aug-23</a:t>
+              <a:t>9/6/2023</a:t>
             </a:fld>
             <a:endParaRPr lang="en-US"/>
           </a:p>
@@ -1878,7 +1878,7 @@
           <a:p>
             <a:fld id="{7AB69131-528E-47CA-9221-AD941DD4DEED}" type="datetimeFigureOut">
               <a:rPr lang="en-US" smtClean="0"/>
-              <a:t>14-Aug-23</a:t>
+              <a:t>9/6/2023</a:t>
             </a:fld>
             <a:endParaRPr lang="en-US"/>
           </a:p>
@@ -2245,7 +2245,7 @@
           <a:p>
             <a:fld id="{7AB69131-528E-47CA-9221-AD941DD4DEED}" type="datetimeFigureOut">
               <a:rPr lang="en-US" smtClean="0"/>
-              <a:t>14-Aug-23</a:t>
+              <a:t>9/6/2023</a:t>
             </a:fld>
             <a:endParaRPr lang="en-US"/>
           </a:p>
@@ -2363,7 +2363,7 @@
           <a:p>
             <a:fld id="{7AB69131-528E-47CA-9221-AD941DD4DEED}" type="datetimeFigureOut">
               <a:rPr lang="en-US" smtClean="0"/>
-              <a:t>14-Aug-23</a:t>
+              <a:t>9/6/2023</a:t>
             </a:fld>
             <a:endParaRPr lang="en-US"/>
           </a:p>
@@ -2458,7 +2458,7 @@
           <a:p>
             <a:fld id="{7AB69131-528E-47CA-9221-AD941DD4DEED}" type="datetimeFigureOut">
               <a:rPr lang="en-US" smtClean="0"/>
-              <a:t>14-Aug-23</a:t>
+              <a:t>9/6/2023</a:t>
             </a:fld>
             <a:endParaRPr lang="en-US"/>
           </a:p>
@@ -2735,7 +2735,7 @@
           <a:p>
             <a:fld id="{7AB69131-528E-47CA-9221-AD941DD4DEED}" type="datetimeFigureOut">
               <a:rPr lang="en-US" smtClean="0"/>
-              <a:t>14-Aug-23</a:t>
+              <a:t>9/6/2023</a:t>
             </a:fld>
             <a:endParaRPr lang="en-US"/>
           </a:p>
@@ -2992,7 +2992,7 @@
           <a:p>
             <a:fld id="{7AB69131-528E-47CA-9221-AD941DD4DEED}" type="datetimeFigureOut">
               <a:rPr lang="en-US" smtClean="0"/>
-              <a:t>14-Aug-23</a:t>
+              <a:t>9/6/2023</a:t>
             </a:fld>
             <a:endParaRPr lang="en-US"/>
           </a:p>
@@ -3205,7 +3205,7 @@
           <a:p>
             <a:fld id="{7AB69131-528E-47CA-9221-AD941DD4DEED}" type="datetimeFigureOut">
               <a:rPr lang="en-US" smtClean="0"/>
-              <a:t>14-Aug-23</a:t>
+              <a:t>9/6/2023</a:t>
             </a:fld>
             <a:endParaRPr lang="en-US"/>
           </a:p>
@@ -3671,7 +3671,7 @@
           <p:cNvPr id="19" name="Group 18">
             <a:extLst>
               <a:ext uri="{FF2B5EF4-FFF2-40B4-BE49-F238E27FC236}">
-                <a16:creationId xmlns:a16="http://schemas.microsoft.com/office/drawing/2014/main" xmlns="" id="{F8C316FC-537E-4D77-AF68-159099DDD169}"/>
+                <a16:creationId xmlns:a16="http://schemas.microsoft.com/office/drawing/2014/main" id="{F8C316FC-537E-4D77-AF68-159099DDD169}"/>
               </a:ext>
             </a:extLst>
           </p:cNvPr>
@@ -3691,7 +3691,7 @@
             <p:cNvPr id="28" name="TextBox 27">
               <a:extLst>
                 <a:ext uri="{FF2B5EF4-FFF2-40B4-BE49-F238E27FC236}">
-                  <a16:creationId xmlns:a16="http://schemas.microsoft.com/office/drawing/2014/main" xmlns="" id="{C27040AE-E103-4BF4-8BEF-45480ADB9322}"/>
+                  <a16:creationId xmlns:a16="http://schemas.microsoft.com/office/drawing/2014/main" id="{C27040AE-E103-4BF4-8BEF-45480ADB9322}"/>
                 </a:ext>
               </a:extLst>
             </p:cNvPr>
@@ -3734,7 +3734,7 @@
             <p:cNvPr id="25" name="TextBox 24">
               <a:extLst>
                 <a:ext uri="{FF2B5EF4-FFF2-40B4-BE49-F238E27FC236}">
-                  <a16:creationId xmlns:a16="http://schemas.microsoft.com/office/drawing/2014/main" xmlns="" id="{E5A69EE5-15A0-2A11-E4AE-D7C1E4D11FFB}"/>
+                  <a16:creationId xmlns:a16="http://schemas.microsoft.com/office/drawing/2014/main" id="{E5A69EE5-15A0-2A11-E4AE-D7C1E4D11FFB}"/>
                 </a:ext>
               </a:extLst>
             </p:cNvPr>
@@ -3770,7 +3770,7 @@
             <p:cNvPr id="26" name="TextBox 25">
               <a:extLst>
                 <a:ext uri="{FF2B5EF4-FFF2-40B4-BE49-F238E27FC236}">
-                  <a16:creationId xmlns:a16="http://schemas.microsoft.com/office/drawing/2014/main" xmlns="" id="{4848FB5C-3E3F-503C-5232-E2FD5494C54A}"/>
+                  <a16:creationId xmlns:a16="http://schemas.microsoft.com/office/drawing/2014/main" id="{4848FB5C-3E3F-503C-5232-E2FD5494C54A}"/>
                 </a:ext>
               </a:extLst>
             </p:cNvPr>
@@ -3809,7 +3809,7 @@
           <p:cNvPr id="33" name="Rectangle 32">
             <a:extLst>
               <a:ext uri="{FF2B5EF4-FFF2-40B4-BE49-F238E27FC236}">
-                <a16:creationId xmlns:a16="http://schemas.microsoft.com/office/drawing/2014/main" xmlns="" id="{C246D524-104D-48D9-83A2-433E67F0CA6B}"/>
+                <a16:creationId xmlns:a16="http://schemas.microsoft.com/office/drawing/2014/main" id="{C246D524-104D-48D9-83A2-433E67F0CA6B}"/>
               </a:ext>
             </a:extLst>
           </p:cNvPr>
@@ -3866,7 +3866,7 @@
           <p:cNvPr id="43" name="Rectangle 42">
             <a:extLst>
               <a:ext uri="{FF2B5EF4-FFF2-40B4-BE49-F238E27FC236}">
-                <a16:creationId xmlns:a16="http://schemas.microsoft.com/office/drawing/2014/main" xmlns="" id="{18C20CFF-4BD1-40F4-BFBD-6135A421D18B}"/>
+                <a16:creationId xmlns:a16="http://schemas.microsoft.com/office/drawing/2014/main" id="{18C20CFF-4BD1-40F4-BFBD-6135A421D18B}"/>
               </a:ext>
             </a:extLst>
           </p:cNvPr>
@@ -3907,7 +3907,7 @@
           <p:cNvPr id="40" name="Rectangle 39">
             <a:extLst>
               <a:ext uri="{FF2B5EF4-FFF2-40B4-BE49-F238E27FC236}">
-                <a16:creationId xmlns:a16="http://schemas.microsoft.com/office/drawing/2014/main" xmlns="" id="{18C20CFF-4BD1-40F4-BFBD-6135A421D18B}"/>
+                <a16:creationId xmlns:a16="http://schemas.microsoft.com/office/drawing/2014/main" id="{18C20CFF-4BD1-40F4-BFBD-6135A421D18B}"/>
               </a:ext>
             </a:extLst>
           </p:cNvPr>
@@ -4301,7 +4301,7 @@
             <p:cNvPr id="50" name="Rectangle 49">
               <a:extLst>
                 <a:ext uri="{FF2B5EF4-FFF2-40B4-BE49-F238E27FC236}">
-                  <a16:creationId xmlns:a16="http://schemas.microsoft.com/office/drawing/2014/main" xmlns="" id="{18C20CFF-4BD1-40F4-BFBD-6135A421D18B}"/>
+                  <a16:creationId xmlns:a16="http://schemas.microsoft.com/office/drawing/2014/main" id="{18C20CFF-4BD1-40F4-BFBD-6135A421D18B}"/>
                 </a:ext>
               </a:extLst>
             </p:cNvPr>
@@ -4407,7 +4407,7 @@
             <p:cNvPr id="84" name="Rectangle 83">
               <a:extLst>
                 <a:ext uri="{FF2B5EF4-FFF2-40B4-BE49-F238E27FC236}">
-                  <a16:creationId xmlns:a16="http://schemas.microsoft.com/office/drawing/2014/main" xmlns="" id="{18C20CFF-4BD1-40F4-BFBD-6135A421D18B}"/>
+                  <a16:creationId xmlns:a16="http://schemas.microsoft.com/office/drawing/2014/main" id="{18C20CFF-4BD1-40F4-BFBD-6135A421D18B}"/>
                 </a:ext>
               </a:extLst>
             </p:cNvPr>
@@ -4552,7 +4552,7 @@
             <p:cNvPr id="96" name="Rectangle 95">
               <a:extLst>
                 <a:ext uri="{FF2B5EF4-FFF2-40B4-BE49-F238E27FC236}">
-                  <a16:creationId xmlns:a16="http://schemas.microsoft.com/office/drawing/2014/main" xmlns="" id="{18C20CFF-4BD1-40F4-BFBD-6135A421D18B}"/>
+                  <a16:creationId xmlns:a16="http://schemas.microsoft.com/office/drawing/2014/main" id="{18C20CFF-4BD1-40F4-BFBD-6135A421D18B}"/>
                 </a:ext>
               </a:extLst>
             </p:cNvPr>
@@ -4853,7 +4853,7 @@
               <p:cNvPr id="92" name="Rectangle 91">
                 <a:extLst>
                   <a:ext uri="{FF2B5EF4-FFF2-40B4-BE49-F238E27FC236}">
-                    <a16:creationId xmlns:a16="http://schemas.microsoft.com/office/drawing/2014/main" xmlns="" id="{18C20CFF-4BD1-40F4-BFBD-6135A421D18B}"/>
+                    <a16:creationId xmlns:a16="http://schemas.microsoft.com/office/drawing/2014/main" id="{18C20CFF-4BD1-40F4-BFBD-6135A421D18B}"/>
                   </a:ext>
                 </a:extLst>
               </p:cNvPr>
@@ -4986,7 +4986,7 @@
           <p:cNvPr id="4" name="Rectangle 3">
             <a:extLst>
               <a:ext uri="{FF2B5EF4-FFF2-40B4-BE49-F238E27FC236}">
-                <a16:creationId xmlns:a16="http://schemas.microsoft.com/office/drawing/2014/main" xmlns="" id="{C246D524-104D-48D9-83A2-433E67F0CA6B}"/>
+                <a16:creationId xmlns:a16="http://schemas.microsoft.com/office/drawing/2014/main" id="{C246D524-104D-48D9-83A2-433E67F0CA6B}"/>
               </a:ext>
             </a:extLst>
           </p:cNvPr>
@@ -5043,7 +5043,7 @@
           <p:cNvPr id="37" name="Picture 36">
             <a:extLst>
               <a:ext uri="{FF2B5EF4-FFF2-40B4-BE49-F238E27FC236}">
-                <a16:creationId xmlns:a16="http://schemas.microsoft.com/office/drawing/2014/main" xmlns="" id="{82C164FB-8E53-48DB-B177-69EC6445529D}"/>
+                <a16:creationId xmlns:a16="http://schemas.microsoft.com/office/drawing/2014/main" id="{82C164FB-8E53-48DB-B177-69EC6445529D}"/>
               </a:ext>
             </a:extLst>
           </p:cNvPr>
@@ -5059,7 +5059,7 @@
                 <a14:useLocalDpi xmlns:a14="http://schemas.microsoft.com/office/drawing/2010/main" val="0"/>
               </a:ext>
               <a:ext uri="{96DAC541-7B7A-43D3-8B79-37D633B846F1}">
-                <asvg:svgBlip xmlns:asvg="http://schemas.microsoft.com/office/drawing/2016/SVG/main" xmlns="" r:embed="rId12"/>
+                <asvg:svgBlip xmlns="" xmlns:asvg="http://schemas.microsoft.com/office/drawing/2016/SVG/main" r:embed="rId12"/>
               </a:ext>
             </a:extLst>
           </a:blip>
@@ -5081,7 +5081,7 @@
           <p:cNvPr id="22" name="Picture 21">
             <a:extLst>
               <a:ext uri="{FF2B5EF4-FFF2-40B4-BE49-F238E27FC236}">
-                <a16:creationId xmlns:a16="http://schemas.microsoft.com/office/drawing/2014/main" xmlns="" id="{543CBAB0-8072-4F48-A10B-8E146AEADDBA}"/>
+                <a16:creationId xmlns:a16="http://schemas.microsoft.com/office/drawing/2014/main" id="{543CBAB0-8072-4F48-A10B-8E146AEADDBA}"/>
               </a:ext>
             </a:extLst>
           </p:cNvPr>
@@ -5129,7 +5129,7 @@
           <p:cNvPr id="51" name="Group 50">
             <a:extLst>
               <a:ext uri="{FF2B5EF4-FFF2-40B4-BE49-F238E27FC236}">
-                <a16:creationId xmlns:a16="http://schemas.microsoft.com/office/drawing/2014/main" xmlns="" id="{94FAB7F6-8991-4C01-9DDD-D61865D7B322}"/>
+                <a16:creationId xmlns:a16="http://schemas.microsoft.com/office/drawing/2014/main" id="{94FAB7F6-8991-4C01-9DDD-D61865D7B322}"/>
               </a:ext>
             </a:extLst>
           </p:cNvPr>
@@ -5149,7 +5149,7 @@
             <p:cNvPr id="9" name="Picture 8">
               <a:extLst>
                 <a:ext uri="{FF2B5EF4-FFF2-40B4-BE49-F238E27FC236}">
-                  <a16:creationId xmlns:a16="http://schemas.microsoft.com/office/drawing/2014/main" xmlns="" id="{545708B5-797C-40B0-A5DC-0B14FF3C9D6A}"/>
+                  <a16:creationId xmlns:a16="http://schemas.microsoft.com/office/drawing/2014/main" id="{545708B5-797C-40B0-A5DC-0B14FF3C9D6A}"/>
                 </a:ext>
               </a:extLst>
             </p:cNvPr>
@@ -5185,7 +5185,7 @@
             <p:cNvPr id="30" name="TextBox 29">
               <a:extLst>
                 <a:ext uri="{FF2B5EF4-FFF2-40B4-BE49-F238E27FC236}">
-                  <a16:creationId xmlns:a16="http://schemas.microsoft.com/office/drawing/2014/main" xmlns="" id="{948F2B25-9BD0-4B73-B1CA-FD4A76765CC5}"/>
+                  <a16:creationId xmlns:a16="http://schemas.microsoft.com/office/drawing/2014/main" id="{948F2B25-9BD0-4B73-B1CA-FD4A76765CC5}"/>
                 </a:ext>
               </a:extLst>
             </p:cNvPr>
@@ -5238,7 +5238,7 @@
             <p:cNvPr id="20" name="Picture 19">
               <a:extLst>
                 <a:ext uri="{FF2B5EF4-FFF2-40B4-BE49-F238E27FC236}">
-                  <a16:creationId xmlns:a16="http://schemas.microsoft.com/office/drawing/2014/main" xmlns="" id="{93EE9055-4671-4867-8674-B83BF3EE0BF8}"/>
+                  <a16:creationId xmlns:a16="http://schemas.microsoft.com/office/drawing/2014/main" id="{93EE9055-4671-4867-8674-B83BF3EE0BF8}"/>
                 </a:ext>
               </a:extLst>
             </p:cNvPr>
@@ -5274,7 +5274,7 @@
             <p:cNvPr id="47" name="TextBox 46">
               <a:extLst>
                 <a:ext uri="{FF2B5EF4-FFF2-40B4-BE49-F238E27FC236}">
-                  <a16:creationId xmlns:a16="http://schemas.microsoft.com/office/drawing/2014/main" xmlns="" id="{AF669C03-398B-42AF-9E8E-6E06C18D8F34}"/>
+                  <a16:creationId xmlns:a16="http://schemas.microsoft.com/office/drawing/2014/main" id="{AF669C03-398B-42AF-9E8E-6E06C18D8F34}"/>
                 </a:ext>
               </a:extLst>
             </p:cNvPr>
@@ -5320,7 +5320,7 @@
             <p:cNvPr id="24" name="Picture 23">
               <a:extLst>
                 <a:ext uri="{FF2B5EF4-FFF2-40B4-BE49-F238E27FC236}">
-                  <a16:creationId xmlns:a16="http://schemas.microsoft.com/office/drawing/2014/main" xmlns="" id="{D06022DB-DDA2-4B7E-889D-7C51FBC7727E}"/>
+                  <a16:creationId xmlns:a16="http://schemas.microsoft.com/office/drawing/2014/main" id="{D06022DB-DDA2-4B7E-889D-7C51FBC7727E}"/>
                 </a:ext>
               </a:extLst>
             </p:cNvPr>
@@ -5356,7 +5356,7 @@
             <p:cNvPr id="49" name="TextBox 48">
               <a:extLst>
                 <a:ext uri="{FF2B5EF4-FFF2-40B4-BE49-F238E27FC236}">
-                  <a16:creationId xmlns:a16="http://schemas.microsoft.com/office/drawing/2014/main" xmlns="" id="{7ECA3008-2E8F-4CBB-A810-4363879B4929}"/>
+                  <a16:creationId xmlns:a16="http://schemas.microsoft.com/office/drawing/2014/main" id="{7ECA3008-2E8F-4CBB-A810-4363879B4929}"/>
                 </a:ext>
               </a:extLst>
             </p:cNvPr>
@@ -5481,7 +5481,7 @@
           <p:cNvPr id="62" name="Rectangle 61">
             <a:extLst>
               <a:ext uri="{FF2B5EF4-FFF2-40B4-BE49-F238E27FC236}">
-                <a16:creationId xmlns:a16="http://schemas.microsoft.com/office/drawing/2014/main" xmlns="" id="{18C20CFF-4BD1-40F4-BFBD-6135A421D18B}"/>
+                <a16:creationId xmlns:a16="http://schemas.microsoft.com/office/drawing/2014/main" id="{18C20CFF-4BD1-40F4-BFBD-6135A421D18B}"/>
               </a:ext>
             </a:extLst>
           </p:cNvPr>
@@ -5654,7 +5654,7 @@
           <p:cNvPr id="66" name="Rectangle 65">
             <a:extLst>
               <a:ext uri="{FF2B5EF4-FFF2-40B4-BE49-F238E27FC236}">
-                <a16:creationId xmlns:a16="http://schemas.microsoft.com/office/drawing/2014/main" xmlns="" id="{18C20CFF-4BD1-40F4-BFBD-6135A421D18B}"/>
+                <a16:creationId xmlns:a16="http://schemas.microsoft.com/office/drawing/2014/main" id="{18C20CFF-4BD1-40F4-BFBD-6135A421D18B}"/>
               </a:ext>
             </a:extLst>
           </p:cNvPr>
@@ -5767,7 +5767,7 @@
           <p:cNvPr id="102" name="Rectangle 101">
             <a:extLst>
               <a:ext uri="{FF2B5EF4-FFF2-40B4-BE49-F238E27FC236}">
-                <a16:creationId xmlns:a16="http://schemas.microsoft.com/office/drawing/2014/main" xmlns="" id="{18C20CFF-4BD1-40F4-BFBD-6135A421D18B}"/>
+                <a16:creationId xmlns:a16="http://schemas.microsoft.com/office/drawing/2014/main" id="{18C20CFF-4BD1-40F4-BFBD-6135A421D18B}"/>
               </a:ext>
             </a:extLst>
           </p:cNvPr>
@@ -5952,7 +5952,7 @@
           <p:spPr>
             <a:xfrm>
               <a:off x="370798" y="7797868"/>
-              <a:ext cx="7101778" cy="6300299"/>
+              <a:ext cx="7101778" cy="6752402"/>
             </a:xfrm>
             <a:prstGeom prst="rect">
               <a:avLst/>
@@ -6155,7 +6155,27 @@
                   <a:latin typeface="Arial" panose="020B0604020202020204" pitchFamily="34" charset="0"/>
                   <a:cs typeface="Arial" panose="020B0604020202020204" pitchFamily="34" charset="0"/>
                 </a:rPr>
-                <a:t>SNIPs and INDELs in order to </a:t>
+                <a:t>SNPs </a:t>
+              </a:r>
+              <a:r>
+                <a:rPr lang="en-US" sz="4400" dirty="0" smtClean="0">
+                  <a:solidFill>
+                    <a:schemeClr val="accent2">
+                      <a:lumMod val="20000"/>
+                      <a:lumOff val="80000"/>
+                    </a:schemeClr>
+                  </a:solidFill>
+                  <a:effectLst>
+                    <a:outerShdw blurRad="38100" dist="38100" dir="2700000" algn="tl">
+                      <a:srgbClr val="000000">
+                        <a:alpha val="43137"/>
+                      </a:srgbClr>
+                    </a:outerShdw>
+                  </a:effectLst>
+                  <a:latin typeface="Arial" panose="020B0604020202020204" pitchFamily="34" charset="0"/>
+                  <a:cs typeface="Arial" panose="020B0604020202020204" pitchFamily="34" charset="0"/>
+                </a:rPr>
+                <a:t>and INDELs in order to </a:t>
               </a:r>
               <a:r>
                 <a:rPr lang="en-US" sz="4400" b="1" dirty="0" smtClean="0">
@@ -6322,7 +6342,7 @@
           <p:cNvPr id="60" name="Rectangle 59">
             <a:extLst>
               <a:ext uri="{FF2B5EF4-FFF2-40B4-BE49-F238E27FC236}">
-                <a16:creationId xmlns:a16="http://schemas.microsoft.com/office/drawing/2014/main" xmlns="" id="{18C20CFF-4BD1-40F4-BFBD-6135A421D18B}"/>
+                <a16:creationId xmlns:a16="http://schemas.microsoft.com/office/drawing/2014/main" id="{18C20CFF-4BD1-40F4-BFBD-6135A421D18B}"/>
               </a:ext>
             </a:extLst>
           </p:cNvPr>
@@ -6436,7 +6456,7 @@
           <p:cNvPr id="61" name="Rectangle 60">
             <a:extLst>
               <a:ext uri="{FF2B5EF4-FFF2-40B4-BE49-F238E27FC236}">
-                <a16:creationId xmlns:a16="http://schemas.microsoft.com/office/drawing/2014/main" xmlns="" id="{18C20CFF-4BD1-40F4-BFBD-6135A421D18B}"/>
+                <a16:creationId xmlns:a16="http://schemas.microsoft.com/office/drawing/2014/main" id="{18C20CFF-4BD1-40F4-BFBD-6135A421D18B}"/>
               </a:ext>
             </a:extLst>
           </p:cNvPr>
@@ -6537,7 +6557,7 @@
           <p:cNvPr id="65" name="Rectangle 64">
             <a:extLst>
               <a:ext uri="{FF2B5EF4-FFF2-40B4-BE49-F238E27FC236}">
-                <a16:creationId xmlns:a16="http://schemas.microsoft.com/office/drawing/2014/main" xmlns="" id="{18C20CFF-4BD1-40F4-BFBD-6135A421D18B}"/>
+                <a16:creationId xmlns:a16="http://schemas.microsoft.com/office/drawing/2014/main" id="{18C20CFF-4BD1-40F4-BFBD-6135A421D18B}"/>
               </a:ext>
             </a:extLst>
           </p:cNvPr>
@@ -6910,7 +6930,7 @@
           <p:cNvPr id="67" name="Rectangle 66">
             <a:extLst>
               <a:ext uri="{FF2B5EF4-FFF2-40B4-BE49-F238E27FC236}">
-                <a16:creationId xmlns:a16="http://schemas.microsoft.com/office/drawing/2014/main" xmlns="" id="{18C20CFF-4BD1-40F4-BFBD-6135A421D18B}"/>
+                <a16:creationId xmlns:a16="http://schemas.microsoft.com/office/drawing/2014/main" id="{18C20CFF-4BD1-40F4-BFBD-6135A421D18B}"/>
               </a:ext>
             </a:extLst>
           </p:cNvPr>
@@ -7156,7 +7176,7 @@
           <p:cNvPr id="68" name="Rectangle 67">
             <a:extLst>
               <a:ext uri="{FF2B5EF4-FFF2-40B4-BE49-F238E27FC236}">
-                <a16:creationId xmlns:a16="http://schemas.microsoft.com/office/drawing/2014/main" xmlns="" id="{18C20CFF-4BD1-40F4-BFBD-6135A421D18B}"/>
+                <a16:creationId xmlns:a16="http://schemas.microsoft.com/office/drawing/2014/main" id="{18C20CFF-4BD1-40F4-BFBD-6135A421D18B}"/>
               </a:ext>
             </a:extLst>
           </p:cNvPr>
@@ -7190,7 +7210,37 @@
                 <a:latin typeface="Arial" panose="020B0604020202020204" pitchFamily="34" charset="0"/>
                 <a:cs typeface="Arial" panose="020B0604020202020204" pitchFamily="34" charset="0"/>
               </a:rPr>
-              <a:t>Divergence in the identification of SNIPs and their AF of </a:t>
+              <a:t>Divergence in the identification </a:t>
+            </a:r>
+            <a:r>
+              <a:rPr lang="en-US" sz="3200" b="1" smtClean="0">
+                <a:solidFill>
+                  <a:srgbClr val="224E59"/>
+                </a:solidFill>
+                <a:latin typeface="Arial" panose="020B0604020202020204" pitchFamily="34" charset="0"/>
+                <a:cs typeface="Arial" panose="020B0604020202020204" pitchFamily="34" charset="0"/>
+              </a:rPr>
+              <a:t>of </a:t>
+            </a:r>
+            <a:r>
+              <a:rPr lang="en-US" sz="3200" b="1" smtClean="0">
+                <a:solidFill>
+                  <a:srgbClr val="224E59"/>
+                </a:solidFill>
+                <a:latin typeface="Arial" panose="020B0604020202020204" pitchFamily="34" charset="0"/>
+                <a:cs typeface="Arial" panose="020B0604020202020204" pitchFamily="34" charset="0"/>
+              </a:rPr>
+              <a:t>SNPs </a:t>
+            </a:r>
+            <a:r>
+              <a:rPr lang="en-US" sz="3200" b="1" dirty="0" smtClean="0">
+                <a:solidFill>
+                  <a:srgbClr val="224E59"/>
+                </a:solidFill>
+                <a:latin typeface="Arial" panose="020B0604020202020204" pitchFamily="34" charset="0"/>
+                <a:cs typeface="Arial" panose="020B0604020202020204" pitchFamily="34" charset="0"/>
+              </a:rPr>
+              <a:t>and their AF of </a:t>
             </a:r>
             <a:r>
               <a:rPr lang="el-GR" sz="3200" b="1" dirty="0" smtClean="0">
@@ -7679,7 +7729,7 @@
   <a:extraClrSchemeLst/>
   <a:extLst>
     <a:ext uri="{05A4C25C-085E-4340-85A3-A5531E510DB2}">
-      <thm15:themeFamily xmlns:thm15="http://schemas.microsoft.com/office/thememl/2012/main" xmlns="" name="Office Theme" id="{62F939B6-93AF-4DB8-9C6B-D6C7DFDC589F}" vid="{4A3C46E8-61CC-4603-A589-7422A47A8E4A}"/>
+      <thm15:themeFamily xmlns:thm15="http://schemas.microsoft.com/office/thememl/2012/main" name="Office Theme" id="{62F939B6-93AF-4DB8-9C6B-D6C7DFDC589F}" vid="{4A3C46E8-61CC-4603-A589-7422A47A8E4A}"/>
     </a:ext>
   </a:extLst>
 </a:theme>
@@ -7974,7 +8024,7 @@
   <a:extraClrSchemeLst/>
   <a:extLst>
     <a:ext uri="{05A4C25C-085E-4340-85A3-A5531E510DB2}">
-      <thm15:themeFamily xmlns:thm15="http://schemas.microsoft.com/office/thememl/2012/main" xmlns="" name="Office Theme" id="{62F939B6-93AF-4DB8-9C6B-D6C7DFDC589F}" vid="{4A3C46E8-61CC-4603-A589-7422A47A8E4A}"/>
+      <thm15:themeFamily xmlns:thm15="http://schemas.microsoft.com/office/thememl/2012/main" name="Office Theme" id="{62F939B6-93AF-4DB8-9C6B-D6C7DFDC589F}" vid="{4A3C46E8-61CC-4603-A589-7422A47A8E4A}"/>
     </a:ext>
   </a:extLst>
 </a:theme>
@@ -8235,7 +8285,7 @@
   <a:extraClrSchemeLst/>
   <a:extLst>
     <a:ext uri="{05A4C25C-085E-4340-85A3-A5531E510DB2}">
-      <thm15:themeFamily xmlns:thm15="http://schemas.microsoft.com/office/thememl/2012/main" xmlns="" name="Office Theme" id="{62F939B6-93AF-4DB8-9C6B-D6C7DFDC589F}" vid="{4A3C46E8-61CC-4603-A589-7422A47A8E4A}"/>
+      <thm15:themeFamily xmlns:thm15="http://schemas.microsoft.com/office/thememl/2012/main" name="Office Theme" id="{62F939B6-93AF-4DB8-9C6B-D6C7DFDC589F}" vid="{4A3C46E8-61CC-4603-A589-7422A47A8E4A}"/>
     </a:ext>
   </a:extLst>
 </a:theme>
